--- a/generated_docs/PESTLE_Slide_Deck.pptx
+++ b/generated_docs/PESTLE_Slide_Deck.pptx
@@ -3199,31 +3199,31 @@
           <a:lstStyle/>
           <a:p>
             <a:r>
-              <a:t>Diversify revenue through graduate programs and online offerings</a:t>
+              <a:t>Protect NATW statutory basis (CRS 23-52-105) from DEI misclassification</a:t>
             </a:r>
           </a:p>
           <a:p>
             <a:pPr/>
             <a:r>
-              <a:t>Strengthen advocacy while reducing state funding dependency</a:t>
+              <a:t>Prioritize retention as most cost-effective enrollment strategy</a:t>
             </a:r>
           </a:p>
           <a:p>
             <a:pPr/>
             <a:r>
-              <a:t>Position Indigenous mission as national leadership opportunity</a:t>
+              <a:t>Frame Indigenous education through statutory/sovereign obligations, not DEI language</a:t>
             </a:r>
           </a:p>
           <a:p>
             <a:pPr/>
             <a:r>
-              <a:t>Invest in AI Institute and sustainability as differentiators</a:t>
+              <a:t>Invest in AI Institute and place-based experiential learning</a:t>
             </a:r>
           </a:p>
           <a:p>
             <a:pPr/>
             <a:r>
-              <a:t>Build data-driven retention programs for equity gap closure</a:t>
+              <a:t>Qualify online expansion: Indigenous niche only (NATW moat), not generic degrees</a:t>
             </a:r>
           </a:p>
         </p:txBody>
@@ -3355,37 +3355,37 @@
           <a:lstStyle/>
           <a:p>
             <a:r>
-              <a:t>Impact: High (4/5) | Trend: Negative</a:t>
+              <a:t>Impact: High (5/5) | Trend: Negative</a:t>
             </a:r>
           </a:p>
           <a:p>
             <a:pPr/>
             <a:r>
-              <a:t>Colorado state funding volatility for higher education</a:t>
+              <a:t>Trump administration (2025–2029) reducing federal HE funding; 120 TRIO programs terminated</a:t>
             </a:r>
           </a:p>
           <a:p>
             <a:pPr/>
             <a:r>
-              <a:t>Federal financial aid policy changes (Pell Grant, Title IV)</a:t>
+              <a:t>DEI programs under HIGH scrutiny — executive order targeting DEI in accreditation (Apr 2025)</a:t>
             </a:r>
           </a:p>
           <a:p>
             <a:pPr/>
             <a:r>
-              <a:t>Native American tuition waiver mandate (federal obligation)</a:t>
+              <a:t>Tribal education funding VOLATILE: 109% increase Sept 2025, but FY2026 proposes 24% cuts</a:t>
             </a:r>
           </a:p>
           <a:p>
             <a:pPr/>
             <a:r>
-              <a:t>State performance-based funding models</a:t>
+              <a:t>Colorado FY 2025–26: $38.4M increase (far less than $95M requested); 3.5% tuition cap</a:t>
             </a:r>
           </a:p>
           <a:p>
             <a:pPr/>
             <a:r>
-              <a:t>Opportunity: Leverage federal tribal education funding</a:t>
+              <a:t>Opportunity: Reframe Indigenous programs through statutory obligations (CRS 23-52-105) and cultural preservation (legally safe)</a:t>
             </a:r>
           </a:p>
         </p:txBody>
@@ -3445,37 +3445,37 @@
           <a:lstStyle/>
           <a:p>
             <a:r>
-              <a:t>Impact: High (5/5) | Trend: Mixed</a:t>
+              <a:t>Impact: High (5/5) | Trend: Negative</a:t>
             </a:r>
           </a:p>
           <a:p>
             <a:pPr/>
             <a:r>
-              <a:t>Declining state appropriations per student</a:t>
+              <a:t>Colorado shifts costs to students via tuition rather than state appropriations</a:t>
             </a:r>
           </a:p>
           <a:p>
             <a:pPr/>
             <a:r>
-              <a:t>Rising tuition sensitivity among families</a:t>
+              <a:t>Rising tuition sensitivity; students increasingly price-conscious and comparison-shopping</a:t>
             </a:r>
           </a:p>
           <a:p>
             <a:pPr/>
             <a:r>
-              <a:t>Durango cost of living affecting faculty recruitment</a:t>
+              <a:t>Durango housing crisis — major hidden barrier for student attendance AND faculty recruitment</a:t>
             </a:r>
           </a:p>
           <a:p>
             <a:pPr/>
             <a:r>
-              <a:t>Native American tuition waiver revenue impact (~37% of students)</a:t>
+              <a:t>Native American tuition waiver revenue impact (~37% of students at zero tuition)</a:t>
             </a:r>
           </a:p>
           <a:p>
             <a:pPr/>
             <a:r>
-              <a:t>Opportunity: Grow graduate programs for additional revenue</a:t>
+              <a:t>Opportunity: Healthcare/nursing programs (strong regional employer demand)</a:t>
             </a:r>
           </a:p>
         </p:txBody>
@@ -3535,37 +3535,37 @@
           <a:lstStyle/>
           <a:p>
             <a:r>
-              <a:t>Impact: High (4/5) | Trend: Mixed</a:t>
+              <a:t>Impact: Medium-High (4/5) | Trend: Mixed</a:t>
             </a:r>
           </a:p>
           <a:p>
             <a:pPr/>
             <a:r>
-              <a:t>Declining college-going rates nationally</a:t>
+              <a:t>Declining college-going rates nationally and in Colorado</a:t>
             </a:r>
           </a:p>
           <a:p>
             <a:pPr/>
             <a:r>
-              <a:t>Changing student expectations (career-focused outcomes)</a:t>
+              <a:t>Career outcome expectations dominant ('What job will I get?')</a:t>
             </a:r>
           </a:p>
           <a:p>
             <a:pPr/>
             <a:r>
-              <a:t>Growing demand for flexible/hybrid learning</a:t>
+              <a:t>Indigenous education opportunity IS REAL (166 tribes, 37% waiver, underserved nationally)</a:t>
             </a:r>
           </a:p>
           <a:p>
             <a:pPr/>
             <a:r>
-              <a:t>FLC unique mission serving Native American students (166 tribes)</a:t>
+              <a:t>First-generation students (43%) need targeted support systems</a:t>
             </a:r>
           </a:p>
           <a:p>
             <a:pPr/>
             <a:r>
-              <a:t>Opportunity: Outdoor recreation lifestyle as recruitment differentiator</a:t>
+              <a:t>Opportunity: Indigenous education leadership — reframe through statutory obligations (CRS 23-52-105), not DEI</a:t>
             </a:r>
           </a:p>
         </p:txBody>
@@ -3625,37 +3625,37 @@
           <a:lstStyle/>
           <a:p>
             <a:r>
-              <a:t>Impact: Medium (3/5) | Trend: Opportunity</a:t>
+              <a:t>Impact: High (4/5) | Trend: Rapidly Changing</a:t>
             </a:r>
           </a:p>
           <a:p>
             <a:pPr/>
             <a:r>
-              <a:t>AI disruption in curriculum and pedagogy</a:t>
+              <a:t>AI disruption transforming pedagogy, assessment, and student expectations</a:t>
             </a:r>
           </a:p>
           <a:p>
             <a:pPr/>
             <a:r>
-              <a:t>Need for technology infrastructure upgrades</a:t>
+              <a:t>Online graduate market SATURATED — ASU, SNHU, Western Governors dominate ($50M+ marketing)</a:t>
             </a:r>
           </a:p>
           <a:p>
             <a:pPr/>
             <a:r>
-              <a:t>Online/hybrid program delivery expectations</a:t>
+              <a:t>FLC has NO online brand nationally; ~25 online courses (~10% of offerings)</a:t>
             </a:r>
           </a:p>
           <a:p>
             <a:pPr/>
             <a:r>
-              <a:t>Data analytics for student success and retention</a:t>
+              <a:t>Passive video lectures becoming obsolete; AI-enabled adaptive learning replacing them</a:t>
             </a:r>
           </a:p>
           <a:p>
             <a:pPr/>
             <a:r>
-              <a:t>Opportunity: AI Institute partnerships and growth</a:t>
+              <a:t>Opportunity: AI Institute partnerships and curriculum integration</a:t>
             </a:r>
           </a:p>
         </p:txBody>
@@ -3715,37 +3715,37 @@
           <a:lstStyle/>
           <a:p>
             <a:r>
-              <a:t>Impact: Medium (3/5) | Trend: Stable</a:t>
+              <a:t>Impact: High (4/5) | Trend: Deteriorating</a:t>
             </a:r>
           </a:p>
           <a:p>
             <a:pPr/>
             <a:r>
-              <a:t>Accreditation compliance requirements (HLC)</a:t>
+              <a:t>Title VI scrutiny — 50+ universities under investigation for race-conscious programs</a:t>
             </a:r>
           </a:p>
           <a:p>
             <a:pPr/>
             <a:r>
-              <a:t>Title IX and student safety regulations</a:t>
+              <a:t>Native American Tuition Waiver has DISTINCT legal basis (CRS 23-52-105, since 1911)</a:t>
             </a:r>
           </a:p>
           <a:p>
             <a:pPr/>
             <a:r>
-              <a:t>Federal reporting mandates (IPEDS)</a:t>
+              <a:t>HLC accreditation: federal pressure on DEI standards, but HLC offers flexibility</a:t>
             </a:r>
           </a:p>
           <a:p>
             <a:pPr/>
             <a:r>
-              <a:t>Employment law for faculty/staff</a:t>
+              <a:t>Trump administration revising Title IX regulations (definitions, due process in flux)</a:t>
             </a:r>
           </a:p>
           <a:p>
             <a:pPr/>
             <a:r>
-              <a:t>Opportunity: Streamlined accreditation through proactive compliance</a:t>
+              <a:t>Opportunity: NATW defensible under Title VI (statutory basis per CRS 23-52-105, not voluntary DEI)</a:t>
             </a:r>
           </a:p>
         </p:txBody>
@@ -3805,37 +3805,37 @@
           <a:lstStyle/>
           <a:p>
             <a:r>
-              <a:t>Impact: Medium (3/5) | Trend: Opportunity</a:t>
+              <a:t>Impact: Medium (3/5) | Trend: Negative</a:t>
             </a:r>
           </a:p>
           <a:p>
             <a:pPr/>
             <a:r>
-              <a:t>Climate change impacts on Durango/mountain region</a:t>
+              <a:t>Southwest Colorado wildfire risk increasing — smoke impacts air quality and outdoor activities</a:t>
             </a:r>
           </a:p>
           <a:p>
             <a:pPr/>
             <a:r>
-              <a:t>Campus sustainability expectations from students</a:t>
+              <a:t>Colorado River basin under long-term drought stress; water rights contentious</a:t>
             </a:r>
           </a:p>
           <a:p>
             <a:pPr/>
             <a:r>
-              <a:t>Environmental science as program strength</a:t>
+              <a:t>Snowpack variability affects regional economy (ski, rafting, outdoor recreation)</a:t>
             </a:r>
           </a:p>
           <a:p>
             <a:pPr/>
             <a:r>
-              <a:t>Outdoor recreation economy dependency on climate</a:t>
+              <a:t>Outdoor recreation brand is FLC strength but CLIMATE-VULNERABLE</a:t>
             </a:r>
           </a:p>
           <a:p>
             <a:pPr/>
             <a:r>
-              <a:t>Opportunity: Position as leader in sustainability education</a:t>
+              <a:t>Opportunity: Proactive sustainability initiatives to build brand beyond compliance</a:t>
             </a:r>
           </a:p>
         </p:txBody>
@@ -3895,25 +3895,25 @@
           <a:lstStyle/>
           <a:p>
             <a:r>
-              <a:t>Highest impact: Economic (5/5), Political &amp; Social (4/5 each)</a:t>
+              <a:t>Highest impact: Political (5/5), Economic (5/5)</a:t>
             </a:r>
           </a:p>
           <a:p>
             <a:pPr/>
             <a:r>
-              <a:t>Medium impact: Technological, Legal, Environmental (3/5 each)</a:t>
+              <a:t>High impact: Social (4/5), Technological (4/5), Legal (4/5)</a:t>
             </a:r>
           </a:p>
           <a:p>
             <a:pPr/>
             <a:r>
-              <a:t>Key risk: State funding volatility and tuition waiver revenue impact</a:t>
+              <a:t>Key risks: Federal DEI policy, tribal waiver vulnerability, Durango housing crisis</a:t>
             </a:r>
           </a:p>
           <a:p>
             <a:pPr/>
             <a:r>
-              <a:t>Key opportunity: AI Institute, sustainability leadership, Indigenous education hub</a:t>
+              <a:t>Key opportunity: Indigenous education (statutorily grounded), AI Institute, experiential learning</a:t>
             </a:r>
           </a:p>
         </p:txBody>
